--- a/第四篇_IM的功能设计.pptx
+++ b/第四篇_IM的功能设计.pptx
@@ -11386,7 +11386,7 @@
         </p:blipFill>
         <p:spPr>
           <a:xfrm>
-            <a:off x="563880" y="1136015"/>
+            <a:off x="539750" y="851535"/>
             <a:ext cx="5161915" cy="2552065"/>
           </a:xfrm>
           <a:prstGeom prst="rect">
@@ -11394,6 +11394,1199 @@
           </a:prstGeom>
         </p:spPr>
       </p:pic>
+      <p:graphicFrame>
+        <p:nvGraphicFramePr>
+          <p:cNvPr id="0" name="表格 -1"/>
+          <p:cNvGraphicFramePr/>
+          <p:nvPr/>
+        </p:nvGraphicFramePr>
+        <p:xfrm>
+          <a:off x="629285" y="3403600"/>
+          <a:ext cx="8081010" cy="2956560"/>
+        </p:xfrm>
+        <a:graphic>
+          <a:graphicData uri="http://schemas.openxmlformats.org/drawingml/2006/table">
+            <a:tbl>
+              <a:tblPr firstRow="1" bandRow="1">
+                <a:tableStyleId>{5C22544A-7EE6-4342-B048-85BDC9FD1C3A}</a:tableStyleId>
+              </a:tblPr>
+              <a:tblGrid>
+                <a:gridCol w="8081010"/>
+              </a:tblGrid>
+              <a:tr h="182880">
+                <a:tc>
+                  <a:txBody>
+                    <a:bodyPr/>
+                    <a:p>
+                      <a:pPr indent="0">
+                        <a:buNone/>
+                      </a:pPr>
+                      <a:r>
+                        <a:rPr lang="zh-CN" altLang="en-US" sz="1200" b="1">
+                          <a:solidFill>
+                            <a:srgbClr val="000000"/>
+                          </a:solidFill>
+                          <a:latin typeface="黑体" panose="02010609060101010101" charset="-122"/>
+                          <a:ea typeface="黑体" panose="02010609060101010101" charset="-122"/>
+                          <a:cs typeface="黑体" panose="02010609060101010101" charset="-122"/>
+                        </a:rPr>
+                        <a:t>如何确保信息的可靠传输？</a:t>
+                      </a:r>
+                      <a:endParaRPr lang="zh-CN" altLang="en-US" sz="1200" b="1">
+                        <a:solidFill>
+                          <a:srgbClr val="000000"/>
+                        </a:solidFill>
+                        <a:latin typeface="黑体" panose="02010609060101010101" charset="-122"/>
+                        <a:ea typeface="黑体" panose="02010609060101010101" charset="-122"/>
+                        <a:cs typeface="黑体" panose="02010609060101010101" charset="-122"/>
+                      </a:endParaRPr>
+                    </a:p>
+                  </a:txBody>
+                  <a:tcPr marL="0" marR="0" marT="0" marB="0" vert="horz" anchor="ctr">
+                    <a:lnL w="9525" cap="flat" cmpd="sng">
+                      <a:solidFill>
+                        <a:srgbClr val="000000"/>
+                      </a:solidFill>
+                      <a:prstDash val="solid"/>
+                      <a:headEnd type="none" w="med" len="med"/>
+                      <a:tailEnd type="none" w="med" len="med"/>
+                    </a:lnL>
+                    <a:lnR w="9525" cap="flat" cmpd="sng">
+                      <a:solidFill>
+                        <a:srgbClr val="000000"/>
+                      </a:solidFill>
+                      <a:prstDash val="solid"/>
+                      <a:headEnd type="none" w="med" len="med"/>
+                      <a:tailEnd type="none" w="med" len="med"/>
+                    </a:lnR>
+                    <a:lnT w="9525" cap="flat" cmpd="sng">
+                      <a:solidFill>
+                        <a:srgbClr val="000000"/>
+                      </a:solidFill>
+                      <a:prstDash val="solid"/>
+                      <a:headEnd type="none" w="med" len="med"/>
+                      <a:tailEnd type="none" w="med" len="med"/>
+                    </a:lnT>
+                    <a:lnB w="9525" cap="flat" cmpd="sng">
+                      <a:solidFill>
+                        <a:srgbClr val="000000"/>
+                      </a:solidFill>
+                      <a:prstDash val="solid"/>
+                      <a:headEnd type="none" w="med" len="med"/>
+                      <a:tailEnd type="none" w="med" len="med"/>
+                    </a:lnB>
+                    <a:lnTlToBr>
+                      <a:noFill/>
+                    </a:lnTlToBr>
+                    <a:lnBlToTr>
+                      <a:noFill/>
+                    </a:lnBlToTr>
+                    <a:noFill/>
+                  </a:tcPr>
+                </a:tc>
+              </a:tr>
+              <a:tr h="609600">
+                <a:tc>
+                  <a:txBody>
+                    <a:bodyPr/>
+                    <a:p>
+                      <a:pPr indent="0">
+                        <a:buNone/>
+                      </a:pPr>
+                      <a:r>
+                        <a:rPr lang="en-US" altLang="zh-CN" sz="1000" b="0">
+                          <a:solidFill>
+                            <a:srgbClr val="000000"/>
+                          </a:solidFill>
+                          <a:latin typeface="宋体" panose="02010600030101010101" pitchFamily="2" charset="-122"/>
+                          <a:ea typeface="宋体" panose="02010600030101010101" pitchFamily="2" charset="-122"/>
+                          <a:cs typeface="宋体" panose="02010600030101010101" pitchFamily="2" charset="-122"/>
+                        </a:rPr>
+                        <a:t>1.</a:t>
+                      </a:r>
+                      <a:r>
+                        <a:rPr lang="zh-CN" altLang="en-US" sz="1000" b="0">
+                          <a:solidFill>
+                            <a:srgbClr val="000000"/>
+                          </a:solidFill>
+                          <a:latin typeface="宋体" panose="02010600030101010101" pitchFamily="2" charset="-122"/>
+                          <a:ea typeface="宋体" panose="02010600030101010101" pitchFamily="2" charset="-122"/>
+                          <a:cs typeface="宋体" panose="02010600030101010101" pitchFamily="2" charset="-122"/>
+                        </a:rPr>
+                        <a:t>可靠的消息传输是指：</a:t>
+                      </a:r>
+                      <a:r>
+                        <a:rPr lang="zh-CN" altLang="en-US" sz="1000" b="1">
+                          <a:solidFill>
+                            <a:srgbClr val="C00000"/>
+                          </a:solidFill>
+                          <a:latin typeface="宋体" panose="02010600030101010101" pitchFamily="2" charset="-122"/>
+                          <a:ea typeface="宋体" panose="02010600030101010101" pitchFamily="2" charset="-122"/>
+                          <a:cs typeface="宋体" panose="02010600030101010101" pitchFamily="2" charset="-122"/>
+                        </a:rPr>
+                        <a:t>数据要端对端的保持一致性</a:t>
+                      </a:r>
+                      <a:r>
+                        <a:rPr lang="zh-CN" altLang="en-US" sz="1000" b="0">
+                          <a:solidFill>
+                            <a:srgbClr val="000000"/>
+                          </a:solidFill>
+                          <a:latin typeface="宋体" panose="02010600030101010101" pitchFamily="2" charset="-122"/>
+                          <a:ea typeface="宋体" panose="02010600030101010101" pitchFamily="2" charset="-122"/>
+                          <a:cs typeface="宋体" panose="02010600030101010101" pitchFamily="2" charset="-122"/>
+                        </a:rPr>
+                        <a:t>。这意味着消息的传输是有序的，不可丢，不重复，容错。++</a:t>
+                      </a:r>
+                      <a:endParaRPr lang="zh-CN" altLang="en-US" sz="1000" b="0">
+                        <a:solidFill>
+                          <a:srgbClr val="000000"/>
+                        </a:solidFill>
+                        <a:latin typeface="宋体" panose="02010600030101010101" pitchFamily="2" charset="-122"/>
+                        <a:ea typeface="宋体" panose="02010600030101010101" pitchFamily="2" charset="-122"/>
+                        <a:cs typeface="宋体" panose="02010600030101010101" pitchFamily="2" charset="-122"/>
+                      </a:endParaRPr>
+                    </a:p>
+                    <a:p>
+                      <a:pPr indent="0">
+                        <a:buNone/>
+                      </a:pPr>
+                      <a:r>
+                        <a:rPr lang="en-US" altLang="zh-CN" sz="1000" b="0">
+                          <a:solidFill>
+                            <a:srgbClr val="000000"/>
+                          </a:solidFill>
+                          <a:latin typeface="宋体" panose="02010600030101010101" pitchFamily="2" charset="-122"/>
+                          <a:ea typeface="宋体" panose="02010600030101010101" pitchFamily="2" charset="-122"/>
+                          <a:cs typeface="宋体" panose="02010600030101010101" pitchFamily="2" charset="-122"/>
+                        </a:rPr>
+                        <a:t>2.</a:t>
+                      </a:r>
+                      <a:r>
+                        <a:rPr lang="zh-CN" altLang="en-US" sz="1000" b="0">
+                          <a:solidFill>
+                            <a:srgbClr val="000000"/>
+                          </a:solidFill>
+                          <a:latin typeface="宋体" panose="02010600030101010101" pitchFamily="2" charset="-122"/>
+                          <a:ea typeface="宋体" panose="02010600030101010101" pitchFamily="2" charset="-122"/>
+                          <a:cs typeface="宋体" panose="02010600030101010101" pitchFamily="2" charset="-122"/>
+                        </a:rPr>
+                        <a:t>消息协议设计序号</a:t>
+                      </a:r>
+                      <a:r>
+                        <a:rPr lang="en-US" altLang="zh-CN" sz="1000" b="0">
+                          <a:solidFill>
+                            <a:srgbClr val="000000"/>
+                          </a:solidFill>
+                          <a:latin typeface="宋体" panose="02010600030101010101" pitchFamily="2" charset="-122"/>
+                          <a:ea typeface="宋体" panose="02010600030101010101" pitchFamily="2" charset="-122"/>
+                          <a:cs typeface="宋体" panose="02010600030101010101" pitchFamily="2" charset="-122"/>
+                        </a:rPr>
+                        <a:t>ID</a:t>
+                      </a:r>
+                      <a:r>
+                        <a:rPr lang="zh-CN" altLang="en-US" sz="1000" b="0">
+                          <a:solidFill>
+                            <a:srgbClr val="000000"/>
+                          </a:solidFill>
+                          <a:latin typeface="宋体" panose="02010600030101010101" pitchFamily="2" charset="-122"/>
+                          <a:ea typeface="宋体" panose="02010600030101010101" pitchFamily="2" charset="-122"/>
+                          <a:cs typeface="宋体" panose="02010600030101010101" pitchFamily="2" charset="-122"/>
+                        </a:rPr>
+                        <a:t>由发送端生成保证递增，消息</a:t>
+                      </a:r>
+                      <a:r>
+                        <a:rPr lang="en-US" altLang="zh-CN" sz="1000" b="0">
+                          <a:solidFill>
+                            <a:srgbClr val="000000"/>
+                          </a:solidFill>
+                          <a:latin typeface="宋体" panose="02010600030101010101" pitchFamily="2" charset="-122"/>
+                          <a:ea typeface="宋体" panose="02010600030101010101" pitchFamily="2" charset="-122"/>
+                          <a:cs typeface="宋体" panose="02010600030101010101" pitchFamily="2" charset="-122"/>
+                        </a:rPr>
+                        <a:t>ID</a:t>
+                      </a:r>
+                      <a:r>
+                        <a:rPr lang="zh-CN" altLang="en-US" sz="1000" b="0">
+                          <a:solidFill>
+                            <a:srgbClr val="000000"/>
+                          </a:solidFill>
+                          <a:latin typeface="宋体" panose="02010600030101010101" pitchFamily="2" charset="-122"/>
+                          <a:ea typeface="宋体" panose="02010600030101010101" pitchFamily="2" charset="-122"/>
+                          <a:cs typeface="宋体" panose="02010600030101010101" pitchFamily="2" charset="-122"/>
+                        </a:rPr>
+                        <a:t>由服务端生成保证全局唯一。接收端通过序号</a:t>
+                      </a:r>
+                      <a:r>
+                        <a:rPr lang="en-US" altLang="zh-CN" sz="1000" b="0">
+                          <a:solidFill>
+                            <a:srgbClr val="000000"/>
+                          </a:solidFill>
+                          <a:latin typeface="宋体" panose="02010600030101010101" pitchFamily="2" charset="-122"/>
+                          <a:ea typeface="宋体" panose="02010600030101010101" pitchFamily="2" charset="-122"/>
+                          <a:cs typeface="宋体" panose="02010600030101010101" pitchFamily="2" charset="-122"/>
+                        </a:rPr>
+                        <a:t>ID</a:t>
+                      </a:r>
+                      <a:r>
+                        <a:rPr lang="zh-CN" altLang="en-US" sz="1000" b="0">
+                          <a:solidFill>
+                            <a:srgbClr val="000000"/>
+                          </a:solidFill>
+                          <a:latin typeface="宋体" panose="02010600030101010101" pitchFamily="2" charset="-122"/>
+                          <a:ea typeface="宋体" panose="02010600030101010101" pitchFamily="2" charset="-122"/>
+                          <a:cs typeface="宋体" panose="02010600030101010101" pitchFamily="2" charset="-122"/>
+                        </a:rPr>
+                        <a:t>排重、排序。+</a:t>
+                      </a:r>
+                      <a:endParaRPr lang="zh-CN" altLang="en-US" sz="1000" b="0">
+                        <a:solidFill>
+                          <a:srgbClr val="000000"/>
+                        </a:solidFill>
+                        <a:latin typeface="宋体" panose="02010600030101010101" pitchFamily="2" charset="-122"/>
+                        <a:ea typeface="宋体" panose="02010600030101010101" pitchFamily="2" charset="-122"/>
+                        <a:cs typeface="宋体" panose="02010600030101010101" pitchFamily="2" charset="-122"/>
+                      </a:endParaRPr>
+                    </a:p>
+                    <a:p>
+                      <a:pPr indent="0">
+                        <a:buNone/>
+                      </a:pPr>
+                      <a:r>
+                        <a:rPr lang="en-US" altLang="zh-CN" sz="1000" b="0">
+                          <a:solidFill>
+                            <a:srgbClr val="000000"/>
+                          </a:solidFill>
+                          <a:latin typeface="宋体" panose="02010600030101010101" pitchFamily="2" charset="-122"/>
+                          <a:ea typeface="宋体" panose="02010600030101010101" pitchFamily="2" charset="-122"/>
+                          <a:cs typeface="宋体" panose="02010600030101010101" pitchFamily="2" charset="-122"/>
+                        </a:rPr>
+                        <a:t>3.</a:t>
+                      </a:r>
+                      <a:r>
+                        <a:rPr lang="zh-CN" altLang="en-US" sz="1000" b="0">
+                          <a:solidFill>
+                            <a:srgbClr val="000000"/>
+                          </a:solidFill>
+                          <a:latin typeface="宋体" panose="02010600030101010101" pitchFamily="2" charset="-122"/>
+                          <a:ea typeface="宋体" panose="02010600030101010101" pitchFamily="2" charset="-122"/>
+                          <a:cs typeface="宋体" panose="02010600030101010101" pitchFamily="2" charset="-122"/>
+                        </a:rPr>
+                        <a:t>消息投递机制遵循“</a:t>
+                      </a:r>
+                      <a:r>
+                        <a:rPr lang="en-US" altLang="zh-CN" sz="1000" b="0">
+                          <a:solidFill>
+                            <a:srgbClr val="000000"/>
+                          </a:solidFill>
+                          <a:latin typeface="宋体" panose="02010600030101010101" pitchFamily="2" charset="-122"/>
+                          <a:ea typeface="宋体" panose="02010600030101010101" pitchFamily="2" charset="-122"/>
+                          <a:cs typeface="宋体" panose="02010600030101010101" pitchFamily="2" charset="-122"/>
+                        </a:rPr>
+                        <a:t>at</a:t>
+                      </a:r>
+                      <a:endParaRPr lang="en-US" altLang="zh-CN" sz="1000" b="0">
+                        <a:solidFill>
+                          <a:srgbClr val="000000"/>
+                        </a:solidFill>
+                        <a:latin typeface="宋体" panose="02010600030101010101" pitchFamily="2" charset="-122"/>
+                        <a:ea typeface="宋体" panose="02010600030101010101" pitchFamily="2" charset="-122"/>
+                        <a:cs typeface="宋体" panose="02010600030101010101" pitchFamily="2" charset="-122"/>
+                      </a:endParaRPr>
+                    </a:p>
+                    <a:p>
+                      <a:pPr indent="0">
+                        <a:buNone/>
+                      </a:pPr>
+                      <a:r>
+                        <a:rPr lang="en-US" altLang="zh-CN" sz="1000" b="0">
+                          <a:solidFill>
+                            <a:srgbClr val="000000"/>
+                          </a:solidFill>
+                          <a:latin typeface="宋体" panose="02010600030101010101" pitchFamily="2" charset="-122"/>
+                          <a:ea typeface="宋体" panose="02010600030101010101" pitchFamily="2" charset="-122"/>
+                          <a:cs typeface="宋体" panose="02010600030101010101" pitchFamily="2" charset="-122"/>
+                        </a:rPr>
+                        <a:t>least</a:t>
+                      </a:r>
+                      <a:endParaRPr lang="en-US" altLang="zh-CN" sz="1000" b="0">
+                        <a:solidFill>
+                          <a:srgbClr val="000000"/>
+                        </a:solidFill>
+                        <a:latin typeface="宋体" panose="02010600030101010101" pitchFamily="2" charset="-122"/>
+                        <a:ea typeface="宋体" panose="02010600030101010101" pitchFamily="2" charset="-122"/>
+                        <a:cs typeface="宋体" panose="02010600030101010101" pitchFamily="2" charset="-122"/>
+                      </a:endParaRPr>
+                    </a:p>
+                    <a:p>
+                      <a:pPr indent="0">
+                        <a:buNone/>
+                      </a:pPr>
+                      <a:r>
+                        <a:rPr lang="en-US" altLang="zh-CN" sz="1000" b="0">
+                          <a:solidFill>
+                            <a:srgbClr val="000000"/>
+                          </a:solidFill>
+                          <a:latin typeface="宋体" panose="02010600030101010101" pitchFamily="2" charset="-122"/>
+                          <a:ea typeface="宋体" panose="02010600030101010101" pitchFamily="2" charset="-122"/>
+                          <a:cs typeface="宋体" panose="02010600030101010101" pitchFamily="2" charset="-122"/>
+                        </a:rPr>
+                        <a:t>once”</a:t>
+                      </a:r>
+                      <a:r>
+                        <a:rPr lang="zh-CN" altLang="en-US" sz="1000" b="0">
+                          <a:solidFill>
+                            <a:srgbClr val="000000"/>
+                          </a:solidFill>
+                          <a:latin typeface="宋体" panose="02010600030101010101" pitchFamily="2" charset="-122"/>
+                          <a:ea typeface="宋体" panose="02010600030101010101" pitchFamily="2" charset="-122"/>
+                          <a:cs typeface="宋体" panose="02010600030101010101" pitchFamily="2" charset="-122"/>
+                        </a:rPr>
+                        <a:t>确保消息一定投递到服务端，服务端通过多副本机制确保消息的不丢失。</a:t>
+                      </a:r>
+                      <a:endParaRPr lang="zh-CN" altLang="en-US" sz="1000" b="0">
+                        <a:solidFill>
+                          <a:srgbClr val="000000"/>
+                        </a:solidFill>
+                        <a:latin typeface="宋体" panose="02010600030101010101" pitchFamily="2" charset="-122"/>
+                        <a:ea typeface="宋体" panose="02010600030101010101" pitchFamily="2" charset="-122"/>
+                        <a:cs typeface="宋体" panose="02010600030101010101" pitchFamily="2" charset="-122"/>
+                      </a:endParaRPr>
+                    </a:p>
+                    <a:p>
+                      <a:pPr indent="0">
+                        <a:buNone/>
+                      </a:pPr>
+                      <a:r>
+                        <a:rPr lang="en-US" altLang="zh-CN" sz="1000" b="0">
+                          <a:solidFill>
+                            <a:srgbClr val="000000"/>
+                          </a:solidFill>
+                          <a:latin typeface="宋体" panose="02010600030101010101" pitchFamily="2" charset="-122"/>
+                          <a:ea typeface="宋体" panose="02010600030101010101" pitchFamily="2" charset="-122"/>
+                          <a:cs typeface="宋体" panose="02010600030101010101" pitchFamily="2" charset="-122"/>
+                        </a:rPr>
+                        <a:t>4.</a:t>
+                      </a:r>
+                      <a:r>
+                        <a:rPr lang="zh-CN" altLang="en-US" sz="1000" b="0">
+                          <a:solidFill>
+                            <a:srgbClr val="000000"/>
+                          </a:solidFill>
+                          <a:latin typeface="宋体" panose="02010600030101010101" pitchFamily="2" charset="-122"/>
+                          <a:ea typeface="宋体" panose="02010600030101010101" pitchFamily="2" charset="-122"/>
+                          <a:cs typeface="宋体" panose="02010600030101010101" pitchFamily="2" charset="-122"/>
+                        </a:rPr>
+                        <a:t>通过全局唯一的消息</a:t>
+                      </a:r>
+                      <a:r>
+                        <a:rPr lang="en-US" altLang="zh-CN" sz="1000" b="0">
+                          <a:solidFill>
+                            <a:srgbClr val="000000"/>
+                          </a:solidFill>
+                          <a:latin typeface="宋体" panose="02010600030101010101" pitchFamily="2" charset="-122"/>
+                          <a:ea typeface="宋体" panose="02010600030101010101" pitchFamily="2" charset="-122"/>
+                          <a:cs typeface="宋体" panose="02010600030101010101" pitchFamily="2" charset="-122"/>
+                        </a:rPr>
+                        <a:t>id</a:t>
+                      </a:r>
+                      <a:r>
+                        <a:rPr lang="zh-CN" altLang="en-US" sz="1000" b="0">
+                          <a:solidFill>
+                            <a:srgbClr val="000000"/>
+                          </a:solidFill>
+                          <a:latin typeface="宋体" panose="02010600030101010101" pitchFamily="2" charset="-122"/>
+                          <a:ea typeface="宋体" panose="02010600030101010101" pitchFamily="2" charset="-122"/>
+                          <a:cs typeface="宋体" panose="02010600030101010101" pitchFamily="2" charset="-122"/>
+                        </a:rPr>
+                        <a:t>，去云端的一条消息，完成消息的同步或状态更新。</a:t>
+                      </a:r>
+                      <a:endParaRPr lang="zh-CN" altLang="en-US" sz="1000" b="0">
+                        <a:solidFill>
+                          <a:srgbClr val="000000"/>
+                        </a:solidFill>
+                        <a:latin typeface="宋体" panose="02010600030101010101" pitchFamily="2" charset="-122"/>
+                        <a:ea typeface="宋体" panose="02010600030101010101" pitchFamily="2" charset="-122"/>
+                        <a:cs typeface="宋体" panose="02010600030101010101" pitchFamily="2" charset="-122"/>
+                      </a:endParaRPr>
+                    </a:p>
+                  </a:txBody>
+                  <a:tcPr marL="0" marR="0" marT="0" marB="0" vert="horz" anchor="ctr">
+                    <a:lnL w="9525" cap="flat" cmpd="sng">
+                      <a:solidFill>
+                        <a:srgbClr val="000000"/>
+                      </a:solidFill>
+                      <a:prstDash val="solid"/>
+                      <a:headEnd type="none" w="med" len="med"/>
+                      <a:tailEnd type="none" w="med" len="med"/>
+                    </a:lnL>
+                    <a:lnR w="9525" cap="flat" cmpd="sng">
+                      <a:solidFill>
+                        <a:srgbClr val="000000"/>
+                      </a:solidFill>
+                      <a:prstDash val="solid"/>
+                      <a:headEnd type="none" w="med" len="med"/>
+                      <a:tailEnd type="none" w="med" len="med"/>
+                    </a:lnR>
+                    <a:lnT w="9525" cap="flat" cmpd="sng">
+                      <a:solidFill>
+                        <a:srgbClr val="000000"/>
+                      </a:solidFill>
+                      <a:prstDash val="solid"/>
+                      <a:headEnd type="none" w="med" len="med"/>
+                      <a:tailEnd type="none" w="med" len="med"/>
+                    </a:lnT>
+                    <a:lnB w="9525" cap="flat" cmpd="sng">
+                      <a:solidFill>
+                        <a:srgbClr val="000000"/>
+                      </a:solidFill>
+                      <a:prstDash val="solid"/>
+                      <a:headEnd type="none" w="med" len="med"/>
+                      <a:tailEnd type="none" w="med" len="med"/>
+                    </a:lnB>
+                    <a:lnTlToBr>
+                      <a:noFill/>
+                    </a:lnTlToBr>
+                    <a:lnBlToTr>
+                      <a:noFill/>
+                    </a:lnBlToTr>
+                    <a:noFill/>
+                  </a:tcPr>
+                </a:tc>
+              </a:tr>
+              <a:tr h="177800">
+                <a:tc>
+                  <a:txBody>
+                    <a:bodyPr/>
+                    <a:p>
+                      <a:pPr indent="0">
+                        <a:buNone/>
+                      </a:pPr>
+                      <a:r>
+                        <a:rPr lang="zh-CN" altLang="en-US" sz="1200" b="1">
+                          <a:solidFill>
+                            <a:srgbClr val="000000"/>
+                          </a:solidFill>
+                          <a:latin typeface="黑体" panose="02010609060101010101" charset="-122"/>
+                          <a:ea typeface="黑体" panose="02010609060101010101" charset="-122"/>
+                          <a:cs typeface="黑体" panose="02010609060101010101" charset="-122"/>
+                        </a:rPr>
+                        <a:t>全局唯一消息</a:t>
+                      </a:r>
+                      <a:r>
+                        <a:rPr lang="en-US" altLang="zh-CN" sz="1200" b="1">
+                          <a:solidFill>
+                            <a:srgbClr val="000000"/>
+                          </a:solidFill>
+                          <a:latin typeface="黑体" panose="02010609060101010101" charset="-122"/>
+                          <a:ea typeface="黑体" panose="02010609060101010101" charset="-122"/>
+                          <a:cs typeface="黑体" panose="02010609060101010101" charset="-122"/>
+                        </a:rPr>
+                        <a:t>ID</a:t>
+                      </a:r>
+                      <a:r>
+                        <a:rPr lang="zh-CN" altLang="en-US" sz="1200" b="1">
+                          <a:solidFill>
+                            <a:srgbClr val="000000"/>
+                          </a:solidFill>
+                          <a:latin typeface="黑体" panose="02010609060101010101" charset="-122"/>
+                          <a:ea typeface="黑体" panose="02010609060101010101" charset="-122"/>
+                          <a:cs typeface="黑体" panose="02010609060101010101" charset="-122"/>
+                        </a:rPr>
+                        <a:t>的如何设计？</a:t>
+                      </a:r>
+                      <a:endParaRPr lang="zh-CN" altLang="en-US" sz="1200" b="1">
+                        <a:solidFill>
+                          <a:srgbClr val="000000"/>
+                        </a:solidFill>
+                        <a:latin typeface="黑体" panose="02010609060101010101" charset="-122"/>
+                        <a:ea typeface="黑体" panose="02010609060101010101" charset="-122"/>
+                        <a:cs typeface="黑体" panose="02010609060101010101" charset="-122"/>
+                      </a:endParaRPr>
+                    </a:p>
+                  </a:txBody>
+                  <a:tcPr marL="0" marR="0" marT="0" marB="0" vert="horz" anchor="ctr">
+                    <a:lnL w="9525" cap="flat" cmpd="sng">
+                      <a:solidFill>
+                        <a:srgbClr val="000000"/>
+                      </a:solidFill>
+                      <a:prstDash val="solid"/>
+                      <a:headEnd type="none" w="med" len="med"/>
+                      <a:tailEnd type="none" w="med" len="med"/>
+                    </a:lnL>
+                    <a:lnR w="9525" cap="flat" cmpd="sng">
+                      <a:solidFill>
+                        <a:srgbClr val="000000"/>
+                      </a:solidFill>
+                      <a:prstDash val="solid"/>
+                      <a:headEnd type="none" w="med" len="med"/>
+                      <a:tailEnd type="none" w="med" len="med"/>
+                    </a:lnR>
+                    <a:lnT w="9525" cap="flat" cmpd="sng">
+                      <a:solidFill>
+                        <a:srgbClr val="000000"/>
+                      </a:solidFill>
+                      <a:prstDash val="solid"/>
+                      <a:headEnd type="none" w="med" len="med"/>
+                      <a:tailEnd type="none" w="med" len="med"/>
+                    </a:lnT>
+                    <a:lnB w="9525" cap="flat" cmpd="sng">
+                      <a:solidFill>
+                        <a:srgbClr val="000000"/>
+                      </a:solidFill>
+                      <a:prstDash val="solid"/>
+                      <a:headEnd type="none" w="med" len="med"/>
+                      <a:tailEnd type="none" w="med" len="med"/>
+                    </a:lnB>
+                    <a:lnTlToBr>
+                      <a:noFill/>
+                    </a:lnTlToBr>
+                    <a:lnBlToTr>
+                      <a:noFill/>
+                    </a:lnBlToTr>
+                    <a:noFill/>
+                  </a:tcPr>
+                </a:tc>
+              </a:tr>
+              <a:tr h="1066800">
+                <a:tc>
+                  <a:txBody>
+                    <a:bodyPr/>
+                    <a:p>
+                      <a:pPr indent="0">
+                        <a:buNone/>
+                      </a:pPr>
+                      <a:r>
+                        <a:rPr lang="zh-CN" altLang="en-US" sz="1000" b="1">
+                          <a:solidFill>
+                            <a:srgbClr val="000000"/>
+                          </a:solidFill>
+                          <a:latin typeface="宋体" panose="02010600030101010101" pitchFamily="2" charset="-122"/>
+                          <a:ea typeface="宋体" panose="02010600030101010101" pitchFamily="2" charset="-122"/>
+                          <a:cs typeface="宋体" panose="02010600030101010101" pitchFamily="2" charset="-122"/>
+                        </a:rPr>
+                        <a:t>方案</a:t>
+                      </a:r>
+                      <a:r>
+                        <a:rPr lang="en-US" altLang="zh-CN" sz="1000" b="1">
+                          <a:solidFill>
+                            <a:srgbClr val="000000"/>
+                          </a:solidFill>
+                          <a:latin typeface="宋体" panose="02010600030101010101" pitchFamily="2" charset="-122"/>
+                          <a:ea typeface="宋体" panose="02010600030101010101" pitchFamily="2" charset="-122"/>
+                          <a:cs typeface="宋体" panose="02010600030101010101" pitchFamily="2" charset="-122"/>
+                        </a:rPr>
+                        <a:t>1</a:t>
+                      </a:r>
+                      <a:r>
+                        <a:rPr lang="zh-CN" altLang="en-US" sz="1000" b="1">
+                          <a:solidFill>
+                            <a:srgbClr val="000000"/>
+                          </a:solidFill>
+                          <a:latin typeface="宋体" panose="02010600030101010101" pitchFamily="2" charset="-122"/>
+                          <a:ea typeface="宋体" panose="02010600030101010101" pitchFamily="2" charset="-122"/>
+                          <a:cs typeface="宋体" panose="02010600030101010101" pitchFamily="2" charset="-122"/>
+                        </a:rPr>
+                        <a:t>：</a:t>
+                      </a:r>
+                      <a:r>
+                        <a:rPr lang="en-US" altLang="zh-CN" sz="1000" b="0">
+                          <a:solidFill>
+                            <a:srgbClr val="C00000"/>
+                          </a:solidFill>
+                          <a:latin typeface="宋体" panose="02010600030101010101" pitchFamily="2" charset="-122"/>
+                          <a:ea typeface="宋体" panose="02010600030101010101" pitchFamily="2" charset="-122"/>
+                          <a:cs typeface="宋体" panose="02010600030101010101" pitchFamily="2" charset="-122"/>
+                        </a:rPr>
+                        <a:t>1.</a:t>
+                      </a:r>
+                      <a:r>
+                        <a:rPr lang="zh-CN" altLang="en-US" sz="1000" b="0">
+                          <a:solidFill>
+                            <a:srgbClr val="C00000"/>
+                          </a:solidFill>
+                          <a:latin typeface="宋体" panose="02010600030101010101" pitchFamily="2" charset="-122"/>
+                          <a:ea typeface="宋体" panose="02010600030101010101" pitchFamily="2" charset="-122"/>
+                          <a:cs typeface="宋体" panose="02010600030101010101" pitchFamily="2" charset="-122"/>
+                        </a:rPr>
+                        <a:t>消息</a:t>
+                      </a:r>
+                      <a:r>
+                        <a:rPr lang="en-US" altLang="zh-CN" sz="1000" b="0">
+                          <a:solidFill>
+                            <a:srgbClr val="C00000"/>
+                          </a:solidFill>
+                          <a:latin typeface="宋体" panose="02010600030101010101" pitchFamily="2" charset="-122"/>
+                          <a:ea typeface="宋体" panose="02010600030101010101" pitchFamily="2" charset="-122"/>
+                          <a:cs typeface="宋体" panose="02010600030101010101" pitchFamily="2" charset="-122"/>
+                        </a:rPr>
+                        <a:t>id</a:t>
+                      </a:r>
+                      <a:r>
+                        <a:rPr lang="zh-CN" altLang="en-US" sz="1000" b="0">
+                          <a:solidFill>
+                            <a:srgbClr val="C00000"/>
+                          </a:solidFill>
+                          <a:latin typeface="宋体" panose="02010600030101010101" pitchFamily="2" charset="-122"/>
+                          <a:ea typeface="宋体" panose="02010600030101010101" pitchFamily="2" charset="-122"/>
+                          <a:cs typeface="宋体" panose="02010600030101010101" pitchFamily="2" charset="-122"/>
+                        </a:rPr>
+                        <a:t>是一个</a:t>
+                      </a:r>
+                      <a:r>
+                        <a:rPr lang="en-US" altLang="zh-CN" sz="1000" b="0">
+                          <a:solidFill>
+                            <a:srgbClr val="C00000"/>
+                          </a:solidFill>
+                          <a:latin typeface="宋体" panose="02010600030101010101" pitchFamily="2" charset="-122"/>
+                          <a:ea typeface="宋体" panose="02010600030101010101" pitchFamily="2" charset="-122"/>
+                          <a:cs typeface="宋体" panose="02010600030101010101" pitchFamily="2" charset="-122"/>
+                        </a:rPr>
+                        <a:t>64</a:t>
+                      </a:r>
+                      <a:r>
+                        <a:rPr lang="zh-CN" altLang="en-US" sz="1000" b="0">
+                          <a:solidFill>
+                            <a:srgbClr val="C00000"/>
+                          </a:solidFill>
+                          <a:latin typeface="宋体" panose="02010600030101010101" pitchFamily="2" charset="-122"/>
+                          <a:ea typeface="宋体" panose="02010600030101010101" pitchFamily="2" charset="-122"/>
+                          <a:cs typeface="宋体" panose="02010600030101010101" pitchFamily="2" charset="-122"/>
+                        </a:rPr>
+                        <a:t>位的无符号整型，取前</a:t>
+                      </a:r>
+                      <a:r>
+                        <a:rPr lang="en-US" altLang="zh-CN" sz="1000" b="0">
+                          <a:solidFill>
+                            <a:srgbClr val="C00000"/>
+                          </a:solidFill>
+                          <a:latin typeface="宋体" panose="02010600030101010101" pitchFamily="2" charset="-122"/>
+                          <a:ea typeface="宋体" panose="02010600030101010101" pitchFamily="2" charset="-122"/>
+                          <a:cs typeface="宋体" panose="02010600030101010101" pitchFamily="2" charset="-122"/>
+                        </a:rPr>
+                        <a:t>8</a:t>
+                      </a:r>
+                      <a:r>
+                        <a:rPr lang="zh-CN" altLang="en-US" sz="1000" b="0">
+                          <a:solidFill>
+                            <a:srgbClr val="C00000"/>
+                          </a:solidFill>
+                          <a:latin typeface="宋体" panose="02010600030101010101" pitchFamily="2" charset="-122"/>
+                          <a:ea typeface="宋体" panose="02010600030101010101" pitchFamily="2" charset="-122"/>
+                          <a:cs typeface="宋体" panose="02010600030101010101" pitchFamily="2" charset="-122"/>
+                        </a:rPr>
+                        <a:t>位标识服务节点</a:t>
+                      </a:r>
+                      <a:r>
+                        <a:rPr lang="en-US" altLang="zh-CN" sz="1000" b="0">
+                          <a:solidFill>
+                            <a:srgbClr val="C00000"/>
+                          </a:solidFill>
+                          <a:latin typeface="宋体" panose="02010600030101010101" pitchFamily="2" charset="-122"/>
+                          <a:ea typeface="宋体" panose="02010600030101010101" pitchFamily="2" charset="-122"/>
+                          <a:cs typeface="宋体" panose="02010600030101010101" pitchFamily="2" charset="-122"/>
+                        </a:rPr>
+                        <a:t>id</a:t>
+                      </a:r>
+                      <a:r>
+                        <a:rPr lang="zh-CN" altLang="en-US" sz="1000" b="0">
+                          <a:solidFill>
+                            <a:srgbClr val="C00000"/>
+                          </a:solidFill>
+                          <a:latin typeface="宋体" panose="02010600030101010101" pitchFamily="2" charset="-122"/>
+                          <a:ea typeface="宋体" panose="02010600030101010101" pitchFamily="2" charset="-122"/>
+                          <a:cs typeface="宋体" panose="02010600030101010101" pitchFamily="2" charset="-122"/>
+                        </a:rPr>
+                        <a:t>，取后</a:t>
+                      </a:r>
+                      <a:r>
+                        <a:rPr lang="en-US" altLang="zh-CN" sz="1000" b="0">
+                          <a:solidFill>
+                            <a:srgbClr val="C00000"/>
+                          </a:solidFill>
+                          <a:latin typeface="宋体" panose="02010600030101010101" pitchFamily="2" charset="-122"/>
+                          <a:ea typeface="宋体" panose="02010600030101010101" pitchFamily="2" charset="-122"/>
+                          <a:cs typeface="宋体" panose="02010600030101010101" pitchFamily="2" charset="-122"/>
+                        </a:rPr>
+                        <a:t>56</a:t>
+                      </a:r>
+                      <a:r>
+                        <a:rPr lang="zh-CN" altLang="en-US" sz="1000" b="0">
+                          <a:solidFill>
+                            <a:srgbClr val="C00000"/>
+                          </a:solidFill>
+                          <a:latin typeface="宋体" panose="02010600030101010101" pitchFamily="2" charset="-122"/>
+                          <a:ea typeface="宋体" panose="02010600030101010101" pitchFamily="2" charset="-122"/>
+                          <a:cs typeface="宋体" panose="02010600030101010101" pitchFamily="2" charset="-122"/>
+                        </a:rPr>
+                        <a:t>位为递增</a:t>
+                      </a:r>
+                      <a:r>
+                        <a:rPr lang="en-US" altLang="zh-CN" sz="1000" b="0">
+                          <a:solidFill>
+                            <a:srgbClr val="C00000"/>
+                          </a:solidFill>
+                          <a:latin typeface="宋体" panose="02010600030101010101" pitchFamily="2" charset="-122"/>
+                          <a:ea typeface="宋体" panose="02010600030101010101" pitchFamily="2" charset="-122"/>
+                          <a:cs typeface="宋体" panose="02010600030101010101" pitchFamily="2" charset="-122"/>
+                        </a:rPr>
+                        <a:t>id</a:t>
+                      </a:r>
+                      <a:r>
+                        <a:rPr lang="zh-CN" altLang="en-US" sz="1000" b="0">
+                          <a:solidFill>
+                            <a:srgbClr val="C00000"/>
+                          </a:solidFill>
+                          <a:latin typeface="宋体" panose="02010600030101010101" pitchFamily="2" charset="-122"/>
+                          <a:ea typeface="宋体" panose="02010600030101010101" pitchFamily="2" charset="-122"/>
+                          <a:cs typeface="宋体" panose="02010600030101010101" pitchFamily="2" charset="-122"/>
+                        </a:rPr>
+                        <a:t>。</a:t>
+                      </a:r>
+                      <a:endParaRPr lang="zh-CN" altLang="en-US" sz="1000" b="0">
+                        <a:solidFill>
+                          <a:srgbClr val="C00000"/>
+                        </a:solidFill>
+                        <a:latin typeface="宋体" panose="02010600030101010101" pitchFamily="2" charset="-122"/>
+                        <a:ea typeface="宋体" panose="02010600030101010101" pitchFamily="2" charset="-122"/>
+                        <a:cs typeface="宋体" panose="02010600030101010101" pitchFamily="2" charset="-122"/>
+                      </a:endParaRPr>
+                    </a:p>
+                    <a:p>
+                      <a:pPr indent="0">
+                        <a:buNone/>
+                      </a:pPr>
+                      <a:r>
+                        <a:rPr lang="en-US" altLang="zh-CN" sz="1000" b="0">
+                          <a:solidFill>
+                            <a:srgbClr val="C00000"/>
+                          </a:solidFill>
+                          <a:latin typeface="宋体" panose="02010600030101010101" pitchFamily="2" charset="-122"/>
+                          <a:ea typeface="宋体" panose="02010600030101010101" pitchFamily="2" charset="-122"/>
+                          <a:cs typeface="宋体" panose="02010600030101010101" pitchFamily="2" charset="-122"/>
+                        </a:rPr>
+                        <a:t>2.</a:t>
+                      </a:r>
+                      <a:r>
+                        <a:rPr lang="zh-CN" altLang="en-US" sz="1000" b="0">
+                          <a:solidFill>
+                            <a:srgbClr val="C00000"/>
+                          </a:solidFill>
+                          <a:latin typeface="宋体" panose="02010600030101010101" pitchFamily="2" charset="-122"/>
+                          <a:ea typeface="宋体" panose="02010600030101010101" pitchFamily="2" charset="-122"/>
+                          <a:cs typeface="宋体" panose="02010600030101010101" pitchFamily="2" charset="-122"/>
+                        </a:rPr>
+                        <a:t>消息服务节点初始化时获取属于自己的节点的消息</a:t>
+                      </a:r>
+                      <a:r>
+                        <a:rPr lang="en-US" altLang="zh-CN" sz="1000" b="0">
+                          <a:solidFill>
+                            <a:srgbClr val="C00000"/>
+                          </a:solidFill>
+                          <a:latin typeface="宋体" panose="02010600030101010101" pitchFamily="2" charset="-122"/>
+                          <a:ea typeface="宋体" panose="02010600030101010101" pitchFamily="2" charset="-122"/>
+                          <a:cs typeface="宋体" panose="02010600030101010101" pitchFamily="2" charset="-122"/>
+                        </a:rPr>
+                        <a:t>id</a:t>
+                      </a:r>
+                      <a:r>
+                        <a:rPr lang="zh-CN" altLang="en-US" sz="1000" b="0">
+                          <a:solidFill>
+                            <a:srgbClr val="C00000"/>
+                          </a:solidFill>
+                          <a:latin typeface="宋体" panose="02010600030101010101" pitchFamily="2" charset="-122"/>
+                          <a:ea typeface="宋体" panose="02010600030101010101" pitchFamily="2" charset="-122"/>
+                          <a:cs typeface="宋体" panose="02010600030101010101" pitchFamily="2" charset="-122"/>
+                        </a:rPr>
+                        <a:t>范围，每接收一个有效消息就在前一个消息</a:t>
+                      </a:r>
+                      <a:r>
+                        <a:rPr lang="en-US" altLang="zh-CN" sz="1000" b="0">
+                          <a:solidFill>
+                            <a:srgbClr val="C00000"/>
+                          </a:solidFill>
+                          <a:latin typeface="宋体" panose="02010600030101010101" pitchFamily="2" charset="-122"/>
+                          <a:ea typeface="宋体" panose="02010600030101010101" pitchFamily="2" charset="-122"/>
+                          <a:cs typeface="宋体" panose="02010600030101010101" pitchFamily="2" charset="-122"/>
+                        </a:rPr>
+                        <a:t>id+1</a:t>
+                      </a:r>
+                      <a:r>
+                        <a:rPr lang="zh-CN" altLang="en-US" sz="1000" b="0">
+                          <a:solidFill>
+                            <a:srgbClr val="C00000"/>
+                          </a:solidFill>
+                          <a:latin typeface="宋体" panose="02010600030101010101" pitchFamily="2" charset="-122"/>
+                          <a:ea typeface="宋体" panose="02010600030101010101" pitchFamily="2" charset="-122"/>
+                          <a:cs typeface="宋体" panose="02010600030101010101" pitchFamily="2" charset="-122"/>
+                        </a:rPr>
+                        <a:t>作为新消息</a:t>
+                      </a:r>
+                      <a:r>
+                        <a:rPr lang="en-US" altLang="zh-CN" sz="1000" b="0">
+                          <a:solidFill>
+                            <a:srgbClr val="C00000"/>
+                          </a:solidFill>
+                          <a:latin typeface="宋体" panose="02010600030101010101" pitchFamily="2" charset="-122"/>
+                          <a:ea typeface="宋体" panose="02010600030101010101" pitchFamily="2" charset="-122"/>
+                          <a:cs typeface="宋体" panose="02010600030101010101" pitchFamily="2" charset="-122"/>
+                        </a:rPr>
+                        <a:t>id</a:t>
+                      </a:r>
+                      <a:r>
+                        <a:rPr lang="zh-CN" altLang="en-US" sz="1000" b="0">
+                          <a:solidFill>
+                            <a:srgbClr val="C00000"/>
+                          </a:solidFill>
+                          <a:latin typeface="宋体" panose="02010600030101010101" pitchFamily="2" charset="-122"/>
+                          <a:ea typeface="宋体" panose="02010600030101010101" pitchFamily="2" charset="-122"/>
+                          <a:cs typeface="宋体" panose="02010600030101010101" pitchFamily="2" charset="-122"/>
+                        </a:rPr>
+                        <a:t>。</a:t>
+                      </a:r>
+                      <a:r>
+                        <a:rPr lang="zh-CN" altLang="en-US" sz="1000" b="0">
+                          <a:solidFill>
+                            <a:srgbClr val="000000"/>
+                          </a:solidFill>
+                          <a:latin typeface="宋体" panose="02010600030101010101" pitchFamily="2" charset="-122"/>
+                          <a:ea typeface="宋体" panose="02010600030101010101" pitchFamily="2" charset="-122"/>
+                          <a:cs typeface="宋体" panose="02010600030101010101" pitchFamily="2" charset="-122"/>
+                        </a:rPr>
+                        <a:t>方案</a:t>
+                      </a:r>
+                      <a:r>
+                        <a:rPr lang="en-US" altLang="zh-CN" sz="1000" b="0">
+                          <a:solidFill>
+                            <a:srgbClr val="000000"/>
+                          </a:solidFill>
+                          <a:latin typeface="宋体" panose="02010600030101010101" pitchFamily="2" charset="-122"/>
+                          <a:ea typeface="宋体" panose="02010600030101010101" pitchFamily="2" charset="-122"/>
+                          <a:cs typeface="宋体" panose="02010600030101010101" pitchFamily="2" charset="-122"/>
+                        </a:rPr>
+                        <a:t>2</a:t>
+                      </a:r>
+                      <a:r>
+                        <a:rPr lang="zh-CN" altLang="en-US" sz="1000" b="0">
+                          <a:solidFill>
+                            <a:srgbClr val="000000"/>
+                          </a:solidFill>
+                          <a:latin typeface="宋体" panose="02010600030101010101" pitchFamily="2" charset="-122"/>
+                          <a:ea typeface="宋体" panose="02010600030101010101" pitchFamily="2" charset="-122"/>
+                          <a:cs typeface="宋体" panose="02010600030101010101" pitchFamily="2" charset="-122"/>
+                        </a:rPr>
+                        <a:t>：++</a:t>
+                      </a:r>
+                      <a:endParaRPr lang="zh-CN" altLang="en-US" sz="1000" b="0">
+                        <a:solidFill>
+                          <a:srgbClr val="000000"/>
+                        </a:solidFill>
+                        <a:latin typeface="宋体" panose="02010600030101010101" pitchFamily="2" charset="-122"/>
+                        <a:ea typeface="宋体" panose="02010600030101010101" pitchFamily="2" charset="-122"/>
+                        <a:cs typeface="宋体" panose="02010600030101010101" pitchFamily="2" charset="-122"/>
+                      </a:endParaRPr>
+                    </a:p>
+                    <a:p>
+                      <a:pPr indent="0">
+                        <a:buNone/>
+                      </a:pPr>
+                      <a:r>
+                        <a:rPr lang="en-US" altLang="zh-CN" sz="1000" b="0">
+                          <a:solidFill>
+                            <a:srgbClr val="000000"/>
+                          </a:solidFill>
+                          <a:latin typeface="宋体" panose="02010600030101010101" pitchFamily="2" charset="-122"/>
+                          <a:ea typeface="宋体" panose="02010600030101010101" pitchFamily="2" charset="-122"/>
+                          <a:cs typeface="宋体" panose="02010600030101010101" pitchFamily="2" charset="-122"/>
+                        </a:rPr>
+                        <a:t>1.</a:t>
+                      </a:r>
+                      <a:r>
+                        <a:rPr lang="zh-CN" altLang="en-US" sz="1000" b="0">
+                          <a:solidFill>
+                            <a:srgbClr val="000000"/>
+                          </a:solidFill>
+                          <a:latin typeface="宋体" panose="02010600030101010101" pitchFamily="2" charset="-122"/>
+                          <a:ea typeface="宋体" panose="02010600030101010101" pitchFamily="2" charset="-122"/>
+                          <a:cs typeface="宋体" panose="02010600030101010101" pitchFamily="2" charset="-122"/>
+                        </a:rPr>
+                        <a:t>做一个消息</a:t>
+                      </a:r>
+                      <a:r>
+                        <a:rPr lang="en-US" altLang="zh-CN" sz="1000" b="0">
+                          <a:solidFill>
+                            <a:srgbClr val="000000"/>
+                          </a:solidFill>
+                          <a:latin typeface="宋体" panose="02010600030101010101" pitchFamily="2" charset="-122"/>
+                          <a:ea typeface="宋体" panose="02010600030101010101" pitchFamily="2" charset="-122"/>
+                          <a:cs typeface="宋体" panose="02010600030101010101" pitchFamily="2" charset="-122"/>
+                        </a:rPr>
+                        <a:t>id</a:t>
+                      </a:r>
+                      <a:r>
+                        <a:rPr lang="zh-CN" altLang="en-US" sz="1000" b="0">
+                          <a:solidFill>
+                            <a:srgbClr val="000000"/>
+                          </a:solidFill>
+                          <a:latin typeface="宋体" panose="02010600030101010101" pitchFamily="2" charset="-122"/>
+                          <a:ea typeface="宋体" panose="02010600030101010101" pitchFamily="2" charset="-122"/>
+                          <a:cs typeface="宋体" panose="02010600030101010101" pitchFamily="2" charset="-122"/>
+                        </a:rPr>
+                        <a:t>生成器服务器，各服务节点按需到</a:t>
+                      </a:r>
+                      <a:r>
+                        <a:rPr lang="en-US" altLang="zh-CN" sz="1000" b="0">
+                          <a:solidFill>
+                            <a:srgbClr val="000000"/>
+                          </a:solidFill>
+                          <a:latin typeface="宋体" panose="02010600030101010101" pitchFamily="2" charset="-122"/>
+                          <a:ea typeface="宋体" panose="02010600030101010101" pitchFamily="2" charset="-122"/>
+                          <a:cs typeface="宋体" panose="02010600030101010101" pitchFamily="2" charset="-122"/>
+                        </a:rPr>
+                        <a:t>id</a:t>
+                      </a:r>
+                      <a:r>
+                        <a:rPr lang="zh-CN" altLang="en-US" sz="1000" b="0">
+                          <a:solidFill>
+                            <a:srgbClr val="000000"/>
+                          </a:solidFill>
+                          <a:latin typeface="宋体" panose="02010600030101010101" pitchFamily="2" charset="-122"/>
+                          <a:ea typeface="宋体" panose="02010600030101010101" pitchFamily="2" charset="-122"/>
+                          <a:cs typeface="宋体" panose="02010600030101010101" pitchFamily="2" charset="-122"/>
+                        </a:rPr>
+                        <a:t>服务器预取一批</a:t>
+                      </a:r>
+                      <a:r>
+                        <a:rPr lang="en-US" altLang="zh-CN" sz="1000" b="0">
+                          <a:solidFill>
+                            <a:srgbClr val="000000"/>
+                          </a:solidFill>
+                          <a:latin typeface="宋体" panose="02010600030101010101" pitchFamily="2" charset="-122"/>
+                          <a:ea typeface="宋体" panose="02010600030101010101" pitchFamily="2" charset="-122"/>
+                          <a:cs typeface="宋体" panose="02010600030101010101" pitchFamily="2" charset="-122"/>
+                        </a:rPr>
+                        <a:t>id</a:t>
+                      </a:r>
+                      <a:r>
+                        <a:rPr lang="zh-CN" altLang="en-US" sz="1000" b="0">
+                          <a:solidFill>
+                            <a:srgbClr val="000000"/>
+                          </a:solidFill>
+                          <a:latin typeface="宋体" panose="02010600030101010101" pitchFamily="2" charset="-122"/>
+                          <a:ea typeface="宋体" panose="02010600030101010101" pitchFamily="2" charset="-122"/>
+                          <a:cs typeface="宋体" panose="02010600030101010101" pitchFamily="2" charset="-122"/>
+                        </a:rPr>
+                        <a:t>使用。单点瓶颈。+</a:t>
+                      </a:r>
+                      <a:endParaRPr lang="zh-CN" altLang="en-US" sz="1000" b="0">
+                        <a:solidFill>
+                          <a:srgbClr val="000000"/>
+                        </a:solidFill>
+                        <a:latin typeface="宋体" panose="02010600030101010101" pitchFamily="2" charset="-122"/>
+                        <a:ea typeface="宋体" panose="02010600030101010101" pitchFamily="2" charset="-122"/>
+                        <a:cs typeface="宋体" panose="02010600030101010101" pitchFamily="2" charset="-122"/>
+                      </a:endParaRPr>
+                    </a:p>
+                    <a:p>
+                      <a:pPr indent="0">
+                        <a:buNone/>
+                      </a:pPr>
+                      <a:r>
+                        <a:rPr lang="zh-CN" altLang="en-US" sz="1000" b="0">
+                          <a:solidFill>
+                            <a:srgbClr val="000000"/>
+                          </a:solidFill>
+                          <a:latin typeface="宋体" panose="02010600030101010101" pitchFamily="2" charset="-122"/>
+                          <a:ea typeface="宋体" panose="02010600030101010101" pitchFamily="2" charset="-122"/>
+                          <a:cs typeface="宋体" panose="02010600030101010101" pitchFamily="2" charset="-122"/>
+                        </a:rPr>
+                        <a:t>方案</a:t>
+                      </a:r>
+                      <a:r>
+                        <a:rPr lang="en-US" altLang="zh-CN" sz="1000" b="0">
+                          <a:solidFill>
+                            <a:srgbClr val="000000"/>
+                          </a:solidFill>
+                          <a:latin typeface="宋体" panose="02010600030101010101" pitchFamily="2" charset="-122"/>
+                          <a:ea typeface="宋体" panose="02010600030101010101" pitchFamily="2" charset="-122"/>
+                          <a:cs typeface="宋体" panose="02010600030101010101" pitchFamily="2" charset="-122"/>
+                        </a:rPr>
+                        <a:t>3</a:t>
+                      </a:r>
+                      <a:r>
+                        <a:rPr lang="zh-CN" altLang="en-US" sz="1000" b="0">
+                          <a:solidFill>
+                            <a:srgbClr val="000000"/>
+                          </a:solidFill>
+                          <a:latin typeface="宋体" panose="02010600030101010101" pitchFamily="2" charset="-122"/>
+                          <a:ea typeface="宋体" panose="02010600030101010101" pitchFamily="2" charset="-122"/>
+                          <a:cs typeface="宋体" panose="02010600030101010101" pitchFamily="2" charset="-122"/>
+                        </a:rPr>
+                        <a:t>：</a:t>
+                      </a:r>
+                      <a:endParaRPr lang="zh-CN" altLang="en-US" sz="1000" b="0">
+                        <a:solidFill>
+                          <a:srgbClr val="000000"/>
+                        </a:solidFill>
+                        <a:latin typeface="宋体" panose="02010600030101010101" pitchFamily="2" charset="-122"/>
+                        <a:ea typeface="宋体" panose="02010600030101010101" pitchFamily="2" charset="-122"/>
+                        <a:cs typeface="宋体" panose="02010600030101010101" pitchFamily="2" charset="-122"/>
+                      </a:endParaRPr>
+                    </a:p>
+                    <a:p>
+                      <a:pPr indent="0">
+                        <a:buNone/>
+                      </a:pPr>
+                      <a:r>
+                        <a:rPr lang="en-US" altLang="zh-CN" sz="1000" b="0">
+                          <a:solidFill>
+                            <a:srgbClr val="000000"/>
+                          </a:solidFill>
+                          <a:latin typeface="宋体" panose="02010600030101010101" pitchFamily="2" charset="-122"/>
+                          <a:ea typeface="宋体" panose="02010600030101010101" pitchFamily="2" charset="-122"/>
+                          <a:cs typeface="宋体" panose="02010600030101010101" pitchFamily="2" charset="-122"/>
+                        </a:rPr>
+                        <a:t>2.</a:t>
+                      </a:r>
+                      <a:r>
+                        <a:rPr lang="zh-CN" altLang="en-US" sz="1000" b="0">
+                          <a:solidFill>
+                            <a:srgbClr val="000000"/>
+                          </a:solidFill>
+                          <a:latin typeface="宋体" panose="02010600030101010101" pitchFamily="2" charset="-122"/>
+                          <a:ea typeface="宋体" panose="02010600030101010101" pitchFamily="2" charset="-122"/>
+                          <a:cs typeface="宋体" panose="02010600030101010101" pitchFamily="2" charset="-122"/>
+                        </a:rPr>
+                        <a:t>做一个消息</a:t>
+                      </a:r>
+                      <a:r>
+                        <a:rPr lang="en-US" altLang="zh-CN" sz="1000" b="0">
+                          <a:solidFill>
+                            <a:srgbClr val="000000"/>
+                          </a:solidFill>
+                          <a:latin typeface="宋体" panose="02010600030101010101" pitchFamily="2" charset="-122"/>
+                          <a:ea typeface="宋体" panose="02010600030101010101" pitchFamily="2" charset="-122"/>
+                          <a:cs typeface="宋体" panose="02010600030101010101" pitchFamily="2" charset="-122"/>
+                        </a:rPr>
+                        <a:t>id</a:t>
+                      </a:r>
+                      <a:r>
+                        <a:rPr lang="zh-CN" altLang="en-US" sz="1000" b="0">
+                          <a:solidFill>
+                            <a:srgbClr val="000000"/>
+                          </a:solidFill>
+                          <a:latin typeface="宋体" panose="02010600030101010101" pitchFamily="2" charset="-122"/>
+                          <a:ea typeface="宋体" panose="02010600030101010101" pitchFamily="2" charset="-122"/>
+                          <a:cs typeface="宋体" panose="02010600030101010101" pitchFamily="2" charset="-122"/>
+                        </a:rPr>
+                        <a:t>生成服务器，服务端节点每次需要都</a:t>
+                      </a:r>
+                      <a:r>
+                        <a:rPr lang="en-US" altLang="zh-CN" sz="1000" b="0">
+                          <a:solidFill>
+                            <a:srgbClr val="000000"/>
+                          </a:solidFill>
+                          <a:latin typeface="宋体" panose="02010600030101010101" pitchFamily="2" charset="-122"/>
+                          <a:ea typeface="宋体" panose="02010600030101010101" pitchFamily="2" charset="-122"/>
+                          <a:cs typeface="宋体" panose="02010600030101010101" pitchFamily="2" charset="-122"/>
+                        </a:rPr>
+                        <a:t>RPC</a:t>
+                      </a:r>
+                      <a:r>
+                        <a:rPr lang="zh-CN" altLang="en-US" sz="1000" b="0">
+                          <a:solidFill>
+                            <a:srgbClr val="000000"/>
+                          </a:solidFill>
+                          <a:latin typeface="宋体" panose="02010600030101010101" pitchFamily="2" charset="-122"/>
+                          <a:ea typeface="宋体" panose="02010600030101010101" pitchFamily="2" charset="-122"/>
+                          <a:cs typeface="宋体" panose="02010600030101010101" pitchFamily="2" charset="-122"/>
+                        </a:rPr>
+                        <a:t>请求一个消息</a:t>
+                      </a:r>
+                      <a:r>
+                        <a:rPr lang="en-US" altLang="zh-CN" sz="1000" b="0">
+                          <a:solidFill>
+                            <a:srgbClr val="000000"/>
+                          </a:solidFill>
+                          <a:latin typeface="宋体" panose="02010600030101010101" pitchFamily="2" charset="-122"/>
+                          <a:ea typeface="宋体" panose="02010600030101010101" pitchFamily="2" charset="-122"/>
+                          <a:cs typeface="宋体" panose="02010600030101010101" pitchFamily="2" charset="-122"/>
+                        </a:rPr>
+                        <a:t>id</a:t>
+                      </a:r>
+                      <a:r>
+                        <a:rPr lang="zh-CN" altLang="en-US" sz="1000" b="0">
+                          <a:solidFill>
+                            <a:srgbClr val="000000"/>
+                          </a:solidFill>
+                          <a:latin typeface="宋体" panose="02010600030101010101" pitchFamily="2" charset="-122"/>
+                          <a:ea typeface="宋体" panose="02010600030101010101" pitchFamily="2" charset="-122"/>
+                          <a:cs typeface="宋体" panose="02010600030101010101" pitchFamily="2" charset="-122"/>
+                        </a:rPr>
+                        <a:t>。性能太低，但是可以确保有序。</a:t>
+                      </a:r>
+                      <a:endParaRPr lang="zh-CN" altLang="en-US" sz="1000" b="1">
+                        <a:solidFill>
+                          <a:srgbClr val="000000"/>
+                        </a:solidFill>
+                        <a:latin typeface="宋体" panose="02010600030101010101" pitchFamily="2" charset="-122"/>
+                        <a:ea typeface="宋体" panose="02010600030101010101" pitchFamily="2" charset="-122"/>
+                        <a:cs typeface="宋体" panose="02010600030101010101" pitchFamily="2" charset="-122"/>
+                      </a:endParaRPr>
+                    </a:p>
+                  </a:txBody>
+                  <a:tcPr marL="0" marR="0" marT="0" marB="0" vert="horz" anchor="ctr">
+                    <a:lnL w="9525" cap="flat" cmpd="sng">
+                      <a:solidFill>
+                        <a:srgbClr val="000000"/>
+                      </a:solidFill>
+                      <a:prstDash val="solid"/>
+                      <a:headEnd type="none" w="med" len="med"/>
+                      <a:tailEnd type="none" w="med" len="med"/>
+                    </a:lnL>
+                    <a:lnR w="9525" cap="flat" cmpd="sng">
+                      <a:solidFill>
+                        <a:srgbClr val="000000"/>
+                      </a:solidFill>
+                      <a:prstDash val="solid"/>
+                      <a:headEnd type="none" w="med" len="med"/>
+                      <a:tailEnd type="none" w="med" len="med"/>
+                    </a:lnR>
+                    <a:lnT w="9525" cap="flat" cmpd="sng">
+                      <a:solidFill>
+                        <a:srgbClr val="000000"/>
+                      </a:solidFill>
+                      <a:prstDash val="solid"/>
+                      <a:headEnd type="none" w="med" len="med"/>
+                      <a:tailEnd type="none" w="med" len="med"/>
+                    </a:lnT>
+                    <a:lnB w="9525" cap="flat" cmpd="sng">
+                      <a:solidFill>
+                        <a:srgbClr val="000000"/>
+                      </a:solidFill>
+                      <a:prstDash val="solid"/>
+                      <a:headEnd type="none" w="med" len="med"/>
+                      <a:tailEnd type="none" w="med" len="med"/>
+                    </a:lnB>
+                    <a:lnTlToBr>
+                      <a:noFill/>
+                    </a:lnTlToBr>
+                    <a:lnBlToTr>
+                      <a:noFill/>
+                    </a:lnBlToTr>
+                    <a:noFill/>
+                  </a:tcPr>
+                </a:tc>
+              </a:tr>
+            </a:tbl>
+          </a:graphicData>
+        </a:graphic>
+      </p:graphicFrame>
     </p:spTree>
     <p:custDataLst>
       <p:tags r:id="rId2"/>

--- a/第四篇_IM的功能设计.pptx
+++ b/第四篇_IM的功能设计.pptx
@@ -11685,55 +11685,7 @@
                           <a:ea typeface="宋体" panose="02010600030101010101" pitchFamily="2" charset="-122"/>
                           <a:cs typeface="宋体" panose="02010600030101010101" pitchFamily="2" charset="-122"/>
                         </a:rPr>
-                        <a:t>at</a:t>
-                      </a:r>
-                      <a:endParaRPr lang="en-US" altLang="zh-CN" sz="1000" b="0">
-                        <a:solidFill>
-                          <a:srgbClr val="000000"/>
-                        </a:solidFill>
-                        <a:latin typeface="宋体" panose="02010600030101010101" pitchFamily="2" charset="-122"/>
-                        <a:ea typeface="宋体" panose="02010600030101010101" pitchFamily="2" charset="-122"/>
-                        <a:cs typeface="宋体" panose="02010600030101010101" pitchFamily="2" charset="-122"/>
-                      </a:endParaRPr>
-                    </a:p>
-                    <a:p>
-                      <a:pPr indent="0">
-                        <a:buNone/>
-                      </a:pPr>
-                      <a:r>
-                        <a:rPr lang="en-US" altLang="zh-CN" sz="1000" b="0">
-                          <a:solidFill>
-                            <a:srgbClr val="000000"/>
-                          </a:solidFill>
-                          <a:latin typeface="宋体" panose="02010600030101010101" pitchFamily="2" charset="-122"/>
-                          <a:ea typeface="宋体" panose="02010600030101010101" pitchFamily="2" charset="-122"/>
-                          <a:cs typeface="宋体" panose="02010600030101010101" pitchFamily="2" charset="-122"/>
-                        </a:rPr>
-                        <a:t>least</a:t>
-                      </a:r>
-                      <a:endParaRPr lang="en-US" altLang="zh-CN" sz="1000" b="0">
-                        <a:solidFill>
-                          <a:srgbClr val="000000"/>
-                        </a:solidFill>
-                        <a:latin typeface="宋体" panose="02010600030101010101" pitchFamily="2" charset="-122"/>
-                        <a:ea typeface="宋体" panose="02010600030101010101" pitchFamily="2" charset="-122"/>
-                        <a:cs typeface="宋体" panose="02010600030101010101" pitchFamily="2" charset="-122"/>
-                      </a:endParaRPr>
-                    </a:p>
-                    <a:p>
-                      <a:pPr indent="0">
-                        <a:buNone/>
-                      </a:pPr>
-                      <a:r>
-                        <a:rPr lang="en-US" altLang="zh-CN" sz="1000" b="0">
-                          <a:solidFill>
-                            <a:srgbClr val="000000"/>
-                          </a:solidFill>
-                          <a:latin typeface="宋体" panose="02010600030101010101" pitchFamily="2" charset="-122"/>
-                          <a:ea typeface="宋体" panose="02010600030101010101" pitchFamily="2" charset="-122"/>
-                          <a:cs typeface="宋体" panose="02010600030101010101" pitchFamily="2" charset="-122"/>
-                        </a:rPr>
-                        <a:t>once”</a:t>
+                        <a:t>at least once”</a:t>
                       </a:r>
                       <a:r>
                         <a:rPr lang="zh-CN" altLang="en-US" sz="1000" b="0">
@@ -11801,7 +11753,7 @@
                           <a:ea typeface="宋体" panose="02010600030101010101" pitchFamily="2" charset="-122"/>
                           <a:cs typeface="宋体" panose="02010600030101010101" pitchFamily="2" charset="-122"/>
                         </a:rPr>
-                        <a:t>，去云端的一条消息，完成消息的同步或状态更新。</a:t>
+                        <a:t>，去定位云端的一条消息，完成消息的同步或状态更新。</a:t>
                       </a:r>
                       <a:endParaRPr lang="zh-CN" altLang="en-US" sz="1000" b="0">
                         <a:solidFill>
